--- a/Documents/The red pandas.pptx
+++ b/Documents/The red pandas.pptx
@@ -18451,7 +18451,7 @@
                                           </p:stCondLst>
                                         </p:cTn>
                                         <p:tgtEl>
-                                          <p:spTgt spid="2"/>
+                                          <p:spTgt spid="5"/>
                                         </p:tgtEl>
                                         <p:attrNameLst>
                                           <p:attrName>style.visibility</p:attrName>
@@ -18465,6 +18465,41 @@
                                       <p:cBhvr>
                                         <p:cTn id="7" dur="500"/>
                                         <p:tgtEl>
+                                          <p:spTgt spid="5"/>
+                                        </p:tgtEl>
+                                      </p:cBhvr>
+                                    </p:animEffect>
+                                  </p:childTnLst>
+                                </p:cTn>
+                              </p:par>
+                              <p:par>
+                                <p:cTn id="8" presetID="10" presetClass="entr" presetSubtype="0" fill="hold" grpId="0" nodeType="withEffect">
+                                  <p:stCondLst>
+                                    <p:cond delay="0"/>
+                                  </p:stCondLst>
+                                  <p:childTnLst>
+                                    <p:set>
+                                      <p:cBhvr>
+                                        <p:cTn id="9" dur="1" fill="hold">
+                                          <p:stCondLst>
+                                            <p:cond delay="0"/>
+                                          </p:stCondLst>
+                                        </p:cTn>
+                                        <p:tgtEl>
+                                          <p:spTgt spid="2"/>
+                                        </p:tgtEl>
+                                        <p:attrNameLst>
+                                          <p:attrName>style.visibility</p:attrName>
+                                        </p:attrNameLst>
+                                      </p:cBhvr>
+                                      <p:to>
+                                        <p:strVal val="visible"/>
+                                      </p:to>
+                                    </p:set>
+                                    <p:animEffect transition="in" filter="fade">
+                                      <p:cBhvr>
+                                        <p:cTn id="10" dur="500"/>
+                                        <p:tgtEl>
                                           <p:spTgt spid="2"/>
                                         </p:tgtEl>
                                       </p:cBhvr>
@@ -18473,14 +18508,14 @@
                                 </p:cTn>
                               </p:par>
                               <p:par>
-                                <p:cTn id="8" presetID="10" presetClass="entr" presetSubtype="0" fill="hold" nodeType="withEffect">
+                                <p:cTn id="11" presetID="10" presetClass="entr" presetSubtype="0" fill="hold" nodeType="withEffect">
                                   <p:stCondLst>
                                     <p:cond delay="0"/>
                                   </p:stCondLst>
                                   <p:childTnLst>
                                     <p:set>
                                       <p:cBhvr>
-                                        <p:cTn id="9" dur="1" fill="hold">
+                                        <p:cTn id="12" dur="1" fill="hold">
                                           <p:stCondLst>
                                             <p:cond delay="0"/>
                                           </p:stCondLst>
@@ -18498,44 +18533,9 @@
                                     </p:set>
                                     <p:animEffect transition="in" filter="fade">
                                       <p:cBhvr>
-                                        <p:cTn id="10" dur="500"/>
+                                        <p:cTn id="13" dur="500"/>
                                         <p:tgtEl>
                                           <p:spTgt spid="4"/>
-                                        </p:tgtEl>
-                                      </p:cBhvr>
-                                    </p:animEffect>
-                                  </p:childTnLst>
-                                </p:cTn>
-                              </p:par>
-                              <p:par>
-                                <p:cTn id="11" presetID="10" presetClass="entr" presetSubtype="0" fill="hold" grpId="0" nodeType="withEffect">
-                                  <p:stCondLst>
-                                    <p:cond delay="0"/>
-                                  </p:stCondLst>
-                                  <p:childTnLst>
-                                    <p:set>
-                                      <p:cBhvr>
-                                        <p:cTn id="12" dur="1" fill="hold">
-                                          <p:stCondLst>
-                                            <p:cond delay="0"/>
-                                          </p:stCondLst>
-                                        </p:cTn>
-                                        <p:tgtEl>
-                                          <p:spTgt spid="138"/>
-                                        </p:tgtEl>
-                                        <p:attrNameLst>
-                                          <p:attrName>style.visibility</p:attrName>
-                                        </p:attrNameLst>
-                                      </p:cBhvr>
-                                      <p:to>
-                                        <p:strVal val="visible"/>
-                                      </p:to>
-                                    </p:set>
-                                    <p:animEffect transition="in" filter="fade">
-                                      <p:cBhvr>
-                                        <p:cTn id="13" dur="500"/>
-                                        <p:tgtEl>
-                                          <p:spTgt spid="138"/>
                                         </p:tgtEl>
                                       </p:cBhvr>
                                     </p:animEffect>
@@ -18556,7 +18556,7 @@
                                           </p:stCondLst>
                                         </p:cTn>
                                         <p:tgtEl>
-                                          <p:spTgt spid="139"/>
+                                          <p:spTgt spid="138"/>
                                         </p:tgtEl>
                                         <p:attrNameLst>
                                           <p:attrName>style.visibility</p:attrName>
@@ -18570,7 +18570,7 @@
                                       <p:cBhvr>
                                         <p:cTn id="16" dur="500"/>
                                         <p:tgtEl>
-                                          <p:spTgt spid="139"/>
+                                          <p:spTgt spid="138"/>
                                         </p:tgtEl>
                                       </p:cBhvr>
                                     </p:animEffect>
@@ -18591,7 +18591,7 @@
                                           </p:stCondLst>
                                         </p:cTn>
                                         <p:tgtEl>
-                                          <p:spTgt spid="7"/>
+                                          <p:spTgt spid="139"/>
                                         </p:tgtEl>
                                         <p:attrNameLst>
                                           <p:attrName>style.visibility</p:attrName>
@@ -18605,7 +18605,7 @@
                                       <p:cBhvr>
                                         <p:cTn id="19" dur="500"/>
                                         <p:tgtEl>
-                                          <p:spTgt spid="7"/>
+                                          <p:spTgt spid="139"/>
                                         </p:tgtEl>
                                       </p:cBhvr>
                                     </p:animEffect>
@@ -18613,7 +18613,7 @@
                                 </p:cTn>
                               </p:par>
                               <p:par>
-                                <p:cTn id="20" presetID="10" presetClass="entr" presetSubtype="0" fill="hold" nodeType="withEffect">
+                                <p:cTn id="20" presetID="10" presetClass="entr" presetSubtype="0" fill="hold" grpId="0" nodeType="withEffect">
                                   <p:stCondLst>
                                     <p:cond delay="0"/>
                                   </p:stCondLst>
@@ -18626,7 +18626,7 @@
                                           </p:stCondLst>
                                         </p:cTn>
                                         <p:tgtEl>
-                                          <p:spTgt spid="13"/>
+                                          <p:spTgt spid="7"/>
                                         </p:tgtEl>
                                         <p:attrNameLst>
                                           <p:attrName>style.visibility</p:attrName>
@@ -18640,7 +18640,7 @@
                                       <p:cBhvr>
                                         <p:cTn id="22" dur="500"/>
                                         <p:tgtEl>
-                                          <p:spTgt spid="13"/>
+                                          <p:spTgt spid="7"/>
                                         </p:tgtEl>
                                       </p:cBhvr>
                                     </p:animEffect>
@@ -18661,7 +18661,7 @@
                                           </p:stCondLst>
                                         </p:cTn>
                                         <p:tgtEl>
-                                          <p:spTgt spid="17"/>
+                                          <p:spTgt spid="13"/>
                                         </p:tgtEl>
                                         <p:attrNameLst>
                                           <p:attrName>style.visibility</p:attrName>
@@ -18675,7 +18675,7 @@
                                       <p:cBhvr>
                                         <p:cTn id="25" dur="500"/>
                                         <p:tgtEl>
-                                          <p:spTgt spid="17"/>
+                                          <p:spTgt spid="13"/>
                                         </p:tgtEl>
                                       </p:cBhvr>
                                     </p:animEffect>
@@ -18696,7 +18696,7 @@
                                           </p:stCondLst>
                                         </p:cTn>
                                         <p:tgtEl>
-                                          <p:spTgt spid="19"/>
+                                          <p:spTgt spid="17"/>
                                         </p:tgtEl>
                                         <p:attrNameLst>
                                           <p:attrName>style.visibility</p:attrName>
@@ -18710,7 +18710,7 @@
                                       <p:cBhvr>
                                         <p:cTn id="28" dur="500"/>
                                         <p:tgtEl>
-                                          <p:spTgt spid="19"/>
+                                          <p:spTgt spid="17"/>
                                         </p:tgtEl>
                                       </p:cBhvr>
                                     </p:animEffect>
@@ -18718,7 +18718,7 @@
                                 </p:cTn>
                               </p:par>
                               <p:par>
-                                <p:cTn id="29" presetID="10" presetClass="entr" presetSubtype="0" fill="hold" grpId="0" nodeType="withEffect">
+                                <p:cTn id="29" presetID="10" presetClass="entr" presetSubtype="0" fill="hold" nodeType="withEffect">
                                   <p:stCondLst>
                                     <p:cond delay="0"/>
                                   </p:stCondLst>
@@ -18731,7 +18731,7 @@
                                           </p:stCondLst>
                                         </p:cTn>
                                         <p:tgtEl>
-                                          <p:spTgt spid="140"/>
+                                          <p:spTgt spid="19"/>
                                         </p:tgtEl>
                                         <p:attrNameLst>
                                           <p:attrName>style.visibility</p:attrName>
@@ -18745,7 +18745,7 @@
                                       <p:cBhvr>
                                         <p:cTn id="31" dur="500"/>
                                         <p:tgtEl>
-                                          <p:spTgt spid="140"/>
+                                          <p:spTgt spid="19"/>
                                         </p:tgtEl>
                                       </p:cBhvr>
                                     </p:animEffect>
@@ -18766,7 +18766,7 @@
                                           </p:stCondLst>
                                         </p:cTn>
                                         <p:tgtEl>
-                                          <p:spTgt spid="141"/>
+                                          <p:spTgt spid="140"/>
                                         </p:tgtEl>
                                         <p:attrNameLst>
                                           <p:attrName>style.visibility</p:attrName>
@@ -18780,7 +18780,7 @@
                                       <p:cBhvr>
                                         <p:cTn id="34" dur="500"/>
                                         <p:tgtEl>
-                                          <p:spTgt spid="141"/>
+                                          <p:spTgt spid="140"/>
                                         </p:tgtEl>
                                       </p:cBhvr>
                                     </p:animEffect>
@@ -18788,7 +18788,7 @@
                                 </p:cTn>
                               </p:par>
                               <p:par>
-                                <p:cTn id="35" presetID="10" presetClass="entr" presetSubtype="0" fill="hold" nodeType="withEffect">
+                                <p:cTn id="35" presetID="10" presetClass="entr" presetSubtype="0" fill="hold" grpId="0" nodeType="withEffect">
                                   <p:stCondLst>
                                     <p:cond delay="0"/>
                                   </p:stCondLst>
@@ -18801,7 +18801,7 @@
                                           </p:stCondLst>
                                         </p:cTn>
                                         <p:tgtEl>
-                                          <p:spTgt spid="36"/>
+                                          <p:spTgt spid="141"/>
                                         </p:tgtEl>
                                         <p:attrNameLst>
                                           <p:attrName>style.visibility</p:attrName>
@@ -18815,7 +18815,7 @@
                                       <p:cBhvr>
                                         <p:cTn id="37" dur="500"/>
                                         <p:tgtEl>
-                                          <p:spTgt spid="36"/>
+                                          <p:spTgt spid="141"/>
                                         </p:tgtEl>
                                       </p:cBhvr>
                                     </p:animEffect>
@@ -18836,7 +18836,7 @@
                                           </p:stCondLst>
                                         </p:cTn>
                                         <p:tgtEl>
-                                          <p:spTgt spid="142"/>
+                                          <p:spTgt spid="36"/>
                                         </p:tgtEl>
                                         <p:attrNameLst>
                                           <p:attrName>style.visibility</p:attrName>
@@ -18850,7 +18850,7 @@
                                       <p:cBhvr>
                                         <p:cTn id="40" dur="500"/>
                                         <p:tgtEl>
-                                          <p:spTgt spid="142"/>
+                                          <p:spTgt spid="36"/>
                                         </p:tgtEl>
                                       </p:cBhvr>
                                     </p:animEffect>
@@ -18871,7 +18871,7 @@
                                           </p:stCondLst>
                                         </p:cTn>
                                         <p:tgtEl>
-                                          <p:spTgt spid="143"/>
+                                          <p:spTgt spid="142"/>
                                         </p:tgtEl>
                                         <p:attrNameLst>
                                           <p:attrName>style.visibility</p:attrName>
@@ -18885,7 +18885,7 @@
                                       <p:cBhvr>
                                         <p:cTn id="43" dur="500"/>
                                         <p:tgtEl>
-                                          <p:spTgt spid="143"/>
+                                          <p:spTgt spid="142"/>
                                         </p:tgtEl>
                                       </p:cBhvr>
                                     </p:animEffect>
@@ -18906,7 +18906,7 @@
                                           </p:stCondLst>
                                         </p:cTn>
                                         <p:tgtEl>
-                                          <p:spTgt spid="148"/>
+                                          <p:spTgt spid="143"/>
                                         </p:tgtEl>
                                         <p:attrNameLst>
                                           <p:attrName>style.visibility</p:attrName>
@@ -18920,7 +18920,7 @@
                                       <p:cBhvr>
                                         <p:cTn id="46" dur="500"/>
                                         <p:tgtEl>
-                                          <p:spTgt spid="148"/>
+                                          <p:spTgt spid="143"/>
                                         </p:tgtEl>
                                       </p:cBhvr>
                                     </p:animEffect>
@@ -18941,7 +18941,7 @@
                                           </p:stCondLst>
                                         </p:cTn>
                                         <p:tgtEl>
-                                          <p:spTgt spid="164"/>
+                                          <p:spTgt spid="148"/>
                                         </p:tgtEl>
                                         <p:attrNameLst>
                                           <p:attrName>style.visibility</p:attrName>
@@ -18955,7 +18955,7 @@
                                       <p:cBhvr>
                                         <p:cTn id="49" dur="500"/>
                                         <p:tgtEl>
-                                          <p:spTgt spid="164"/>
+                                          <p:spTgt spid="148"/>
                                         </p:tgtEl>
                                       </p:cBhvr>
                                     </p:animEffect>
@@ -18963,7 +18963,7 @@
                                 </p:cTn>
                               </p:par>
                               <p:par>
-                                <p:cTn id="50" presetID="10" presetClass="entr" presetSubtype="0" fill="hold" grpId="0" nodeType="withEffect">
+                                <p:cTn id="50" presetID="10" presetClass="entr" presetSubtype="0" fill="hold" nodeType="withEffect">
                                   <p:stCondLst>
                                     <p:cond delay="0"/>
                                   </p:stCondLst>
@@ -18976,7 +18976,7 @@
                                           </p:stCondLst>
                                         </p:cTn>
                                         <p:tgtEl>
-                                          <p:spTgt spid="172"/>
+                                          <p:spTgt spid="164"/>
                                         </p:tgtEl>
                                         <p:attrNameLst>
                                           <p:attrName>style.visibility</p:attrName>
@@ -18990,7 +18990,7 @@
                                       <p:cBhvr>
                                         <p:cTn id="52" dur="500"/>
                                         <p:tgtEl>
-                                          <p:spTgt spid="172"/>
+                                          <p:spTgt spid="164"/>
                                         </p:tgtEl>
                                       </p:cBhvr>
                                     </p:animEffect>
@@ -19011,7 +19011,7 @@
                                           </p:stCondLst>
                                         </p:cTn>
                                         <p:tgtEl>
-                                          <p:spTgt spid="173"/>
+                                          <p:spTgt spid="172"/>
                                         </p:tgtEl>
                                         <p:attrNameLst>
                                           <p:attrName>style.visibility</p:attrName>
@@ -19025,7 +19025,7 @@
                                       <p:cBhvr>
                                         <p:cTn id="55" dur="500"/>
                                         <p:tgtEl>
-                                          <p:spTgt spid="173"/>
+                                          <p:spTgt spid="172"/>
                                         </p:tgtEl>
                                       </p:cBhvr>
                                     </p:animEffect>
@@ -19046,7 +19046,7 @@
                                           </p:stCondLst>
                                         </p:cTn>
                                         <p:tgtEl>
-                                          <p:spTgt spid="174"/>
+                                          <p:spTgt spid="173"/>
                                         </p:tgtEl>
                                         <p:attrNameLst>
                                           <p:attrName>style.visibility</p:attrName>
@@ -19060,7 +19060,7 @@
                                       <p:cBhvr>
                                         <p:cTn id="58" dur="500"/>
                                         <p:tgtEl>
-                                          <p:spTgt spid="174"/>
+                                          <p:spTgt spid="173"/>
                                         </p:tgtEl>
                                       </p:cBhvr>
                                     </p:animEffect>
@@ -19081,7 +19081,7 @@
                                           </p:stCondLst>
                                         </p:cTn>
                                         <p:tgtEl>
-                                          <p:spTgt spid="175"/>
+                                          <p:spTgt spid="174"/>
                                         </p:tgtEl>
                                         <p:attrNameLst>
                                           <p:attrName>style.visibility</p:attrName>
@@ -19095,7 +19095,7 @@
                                       <p:cBhvr>
                                         <p:cTn id="61" dur="500"/>
                                         <p:tgtEl>
-                                          <p:spTgt spid="175"/>
+                                          <p:spTgt spid="174"/>
                                         </p:tgtEl>
                                       </p:cBhvr>
                                     </p:animEffect>
@@ -19103,7 +19103,7 @@
                                 </p:cTn>
                               </p:par>
                               <p:par>
-                                <p:cTn id="62" presetID="10" presetClass="entr" presetSubtype="0" fill="hold" nodeType="withEffect">
+                                <p:cTn id="62" presetID="10" presetClass="entr" presetSubtype="0" fill="hold" grpId="0" nodeType="withEffect">
                                   <p:stCondLst>
                                     <p:cond delay="0"/>
                                   </p:stCondLst>
@@ -19116,7 +19116,7 @@
                                           </p:stCondLst>
                                         </p:cTn>
                                         <p:tgtEl>
-                                          <p:spTgt spid="176"/>
+                                          <p:spTgt spid="175"/>
                                         </p:tgtEl>
                                         <p:attrNameLst>
                                           <p:attrName>style.visibility</p:attrName>
@@ -19130,7 +19130,7 @@
                                       <p:cBhvr>
                                         <p:cTn id="64" dur="500"/>
                                         <p:tgtEl>
-                                          <p:spTgt spid="176"/>
+                                          <p:spTgt spid="175"/>
                                         </p:tgtEl>
                                       </p:cBhvr>
                                     </p:animEffect>
@@ -19151,7 +19151,7 @@
                                           </p:stCondLst>
                                         </p:cTn>
                                         <p:tgtEl>
-                                          <p:spTgt spid="184"/>
+                                          <p:spTgt spid="176"/>
                                         </p:tgtEl>
                                         <p:attrNameLst>
                                           <p:attrName>style.visibility</p:attrName>
@@ -19165,7 +19165,7 @@
                                       <p:cBhvr>
                                         <p:cTn id="67" dur="500"/>
                                         <p:tgtEl>
-                                          <p:spTgt spid="184"/>
+                                          <p:spTgt spid="176"/>
                                         </p:tgtEl>
                                       </p:cBhvr>
                                     </p:animEffect>
@@ -19173,7 +19173,7 @@
                                 </p:cTn>
                               </p:par>
                               <p:par>
-                                <p:cTn id="68" presetID="10" presetClass="entr" presetSubtype="0" fill="hold" grpId="0" nodeType="withEffect">
+                                <p:cTn id="68" presetID="10" presetClass="entr" presetSubtype="0" fill="hold" nodeType="withEffect">
                                   <p:stCondLst>
                                     <p:cond delay="0"/>
                                   </p:stCondLst>
@@ -19186,7 +19186,7 @@
                                           </p:stCondLst>
                                         </p:cTn>
                                         <p:tgtEl>
-                                          <p:spTgt spid="213"/>
+                                          <p:spTgt spid="184"/>
                                         </p:tgtEl>
                                         <p:attrNameLst>
                                           <p:attrName>style.visibility</p:attrName>
@@ -19200,7 +19200,7 @@
                                       <p:cBhvr>
                                         <p:cTn id="70" dur="500"/>
                                         <p:tgtEl>
-                                          <p:spTgt spid="213"/>
+                                          <p:spTgt spid="184"/>
                                         </p:tgtEl>
                                       </p:cBhvr>
                                     </p:animEffect>
@@ -19221,7 +19221,7 @@
                                           </p:stCondLst>
                                         </p:cTn>
                                         <p:tgtEl>
-                                          <p:spTgt spid="214"/>
+                                          <p:spTgt spid="213"/>
                                         </p:tgtEl>
                                         <p:attrNameLst>
                                           <p:attrName>style.visibility</p:attrName>
@@ -19235,7 +19235,7 @@
                                       <p:cBhvr>
                                         <p:cTn id="73" dur="500"/>
                                         <p:tgtEl>
-                                          <p:spTgt spid="214"/>
+                                          <p:spTgt spid="213"/>
                                         </p:tgtEl>
                                       </p:cBhvr>
                                     </p:animEffect>
@@ -19256,7 +19256,7 @@
                                           </p:stCondLst>
                                         </p:cTn>
                                         <p:tgtEl>
-                                          <p:spTgt spid="217"/>
+                                          <p:spTgt spid="214"/>
                                         </p:tgtEl>
                                         <p:attrNameLst>
                                           <p:attrName>style.visibility</p:attrName>
@@ -19270,7 +19270,7 @@
                                       <p:cBhvr>
                                         <p:cTn id="76" dur="500"/>
                                         <p:tgtEl>
-                                          <p:spTgt spid="217"/>
+                                          <p:spTgt spid="214"/>
                                         </p:tgtEl>
                                       </p:cBhvr>
                                     </p:animEffect>
@@ -19291,7 +19291,7 @@
                                           </p:stCondLst>
                                         </p:cTn>
                                         <p:tgtEl>
-                                          <p:spTgt spid="218"/>
+                                          <p:spTgt spid="217"/>
                                         </p:tgtEl>
                                         <p:attrNameLst>
                                           <p:attrName>style.visibility</p:attrName>
@@ -19305,7 +19305,7 @@
                                       <p:cBhvr>
                                         <p:cTn id="79" dur="500"/>
                                         <p:tgtEl>
-                                          <p:spTgt spid="218"/>
+                                          <p:spTgt spid="217"/>
                                         </p:tgtEl>
                                       </p:cBhvr>
                                     </p:animEffect>
@@ -19326,7 +19326,7 @@
                                           </p:stCondLst>
                                         </p:cTn>
                                         <p:tgtEl>
-                                          <p:spTgt spid="137"/>
+                                          <p:spTgt spid="218"/>
                                         </p:tgtEl>
                                         <p:attrNameLst>
                                           <p:attrName>style.visibility</p:attrName>
@@ -19340,7 +19340,7 @@
                                       <p:cBhvr>
                                         <p:cTn id="82" dur="500"/>
                                         <p:tgtEl>
-                                          <p:spTgt spid="137"/>
+                                          <p:spTgt spid="218"/>
                                         </p:tgtEl>
                                       </p:cBhvr>
                                     </p:animEffect>
@@ -19348,7 +19348,7 @@
                                 </p:cTn>
                               </p:par>
                               <p:par>
-                                <p:cTn id="83" presetID="10" presetClass="entr" presetSubtype="0" fill="hold" nodeType="withEffect">
+                                <p:cTn id="83" presetID="10" presetClass="entr" presetSubtype="0" fill="hold" grpId="0" nodeType="withEffect">
                                   <p:stCondLst>
                                     <p:cond delay="0"/>
                                   </p:stCondLst>
@@ -19361,7 +19361,7 @@
                                           </p:stCondLst>
                                         </p:cTn>
                                         <p:tgtEl>
-                                          <p:spTgt spid="222"/>
+                                          <p:spTgt spid="137"/>
                                         </p:tgtEl>
                                         <p:attrNameLst>
                                           <p:attrName>style.visibility</p:attrName>
@@ -19375,7 +19375,7 @@
                                       <p:cBhvr>
                                         <p:cTn id="85" dur="500"/>
                                         <p:tgtEl>
-                                          <p:spTgt spid="222"/>
+                                          <p:spTgt spid="137"/>
                                         </p:tgtEl>
                                       </p:cBhvr>
                                     </p:animEffect>
@@ -19396,7 +19396,7 @@
                                           </p:stCondLst>
                                         </p:cTn>
                                         <p:tgtEl>
-                                          <p:spTgt spid="224"/>
+                                          <p:spTgt spid="222"/>
                                         </p:tgtEl>
                                         <p:attrNameLst>
                                           <p:attrName>style.visibility</p:attrName>
@@ -19410,7 +19410,7 @@
                                       <p:cBhvr>
                                         <p:cTn id="88" dur="500"/>
                                         <p:tgtEl>
-                                          <p:spTgt spid="224"/>
+                                          <p:spTgt spid="222"/>
                                         </p:tgtEl>
                                       </p:cBhvr>
                                     </p:animEffect>
@@ -19431,7 +19431,7 @@
                                           </p:stCondLst>
                                         </p:cTn>
                                         <p:tgtEl>
-                                          <p:spTgt spid="226"/>
+                                          <p:spTgt spid="224"/>
                                         </p:tgtEl>
                                         <p:attrNameLst>
                                           <p:attrName>style.visibility</p:attrName>
@@ -19445,7 +19445,7 @@
                                       <p:cBhvr>
                                         <p:cTn id="91" dur="500"/>
                                         <p:tgtEl>
-                                          <p:spTgt spid="226"/>
+                                          <p:spTgt spid="224"/>
                                         </p:tgtEl>
                                       </p:cBhvr>
                                     </p:animEffect>
@@ -19466,7 +19466,7 @@
                                           </p:stCondLst>
                                         </p:cTn>
                                         <p:tgtEl>
-                                          <p:spTgt spid="228"/>
+                                          <p:spTgt spid="226"/>
                                         </p:tgtEl>
                                         <p:attrNameLst>
                                           <p:attrName>style.visibility</p:attrName>
@@ -19480,7 +19480,7 @@
                                       <p:cBhvr>
                                         <p:cTn id="94" dur="500"/>
                                         <p:tgtEl>
-                                          <p:spTgt spid="228"/>
+                                          <p:spTgt spid="226"/>
                                         </p:tgtEl>
                                       </p:cBhvr>
                                     </p:animEffect>
@@ -19501,7 +19501,7 @@
                                           </p:stCondLst>
                                         </p:cTn>
                                         <p:tgtEl>
-                                          <p:spTgt spid="230"/>
+                                          <p:spTgt spid="228"/>
                                         </p:tgtEl>
                                         <p:attrNameLst>
                                           <p:attrName>style.visibility</p:attrName>
@@ -19515,7 +19515,7 @@
                                       <p:cBhvr>
                                         <p:cTn id="97" dur="500"/>
                                         <p:tgtEl>
-                                          <p:spTgt spid="230"/>
+                                          <p:spTgt spid="228"/>
                                         </p:tgtEl>
                                       </p:cBhvr>
                                     </p:animEffect>
@@ -19523,7 +19523,7 @@
                                 </p:cTn>
                               </p:par>
                               <p:par>
-                                <p:cTn id="98" presetID="10" presetClass="entr" presetSubtype="0" fill="hold" grpId="0" nodeType="withEffect">
+                                <p:cTn id="98" presetID="10" presetClass="entr" presetSubtype="0" fill="hold" nodeType="withEffect">
                                   <p:stCondLst>
                                     <p:cond delay="0"/>
                                   </p:stCondLst>
@@ -19536,7 +19536,7 @@
                                           </p:stCondLst>
                                         </p:cTn>
                                         <p:tgtEl>
-                                          <p:spTgt spid="231"/>
+                                          <p:spTgt spid="230"/>
                                         </p:tgtEl>
                                         <p:attrNameLst>
                                           <p:attrName>style.visibility</p:attrName>
@@ -19550,7 +19550,7 @@
                                       <p:cBhvr>
                                         <p:cTn id="100" dur="500"/>
                                         <p:tgtEl>
-                                          <p:spTgt spid="231"/>
+                                          <p:spTgt spid="230"/>
                                         </p:tgtEl>
                                       </p:cBhvr>
                                     </p:animEffect>
@@ -19571,7 +19571,7 @@
                                           </p:stCondLst>
                                         </p:cTn>
                                         <p:tgtEl>
-                                          <p:spTgt spid="232"/>
+                                          <p:spTgt spid="231"/>
                                         </p:tgtEl>
                                         <p:attrNameLst>
                                           <p:attrName>style.visibility</p:attrName>
@@ -19585,7 +19585,7 @@
                                       <p:cBhvr>
                                         <p:cTn id="103" dur="500"/>
                                         <p:tgtEl>
-                                          <p:spTgt spid="232"/>
+                                          <p:spTgt spid="231"/>
                                         </p:tgtEl>
                                       </p:cBhvr>
                                     </p:animEffect>
@@ -19593,7 +19593,7 @@
                                 </p:cTn>
                               </p:par>
                               <p:par>
-                                <p:cTn id="104" presetID="10" presetClass="entr" presetSubtype="0" fill="hold" nodeType="withEffect">
+                                <p:cTn id="104" presetID="10" presetClass="entr" presetSubtype="0" fill="hold" grpId="0" nodeType="withEffect">
                                   <p:stCondLst>
                                     <p:cond delay="0"/>
                                   </p:stCondLst>
@@ -19606,7 +19606,7 @@
                                           </p:stCondLst>
                                         </p:cTn>
                                         <p:tgtEl>
-                                          <p:spTgt spid="256"/>
+                                          <p:spTgt spid="232"/>
                                         </p:tgtEl>
                                         <p:attrNameLst>
                                           <p:attrName>style.visibility</p:attrName>
@@ -19620,7 +19620,7 @@
                                       <p:cBhvr>
                                         <p:cTn id="106" dur="500"/>
                                         <p:tgtEl>
-                                          <p:spTgt spid="256"/>
+                                          <p:spTgt spid="232"/>
                                         </p:tgtEl>
                                       </p:cBhvr>
                                     </p:animEffect>
@@ -19641,7 +19641,7 @@
                                           </p:stCondLst>
                                         </p:cTn>
                                         <p:tgtEl>
-                                          <p:spTgt spid="257"/>
+                                          <p:spTgt spid="256"/>
                                         </p:tgtEl>
                                         <p:attrNameLst>
                                           <p:attrName>style.visibility</p:attrName>
@@ -19655,7 +19655,7 @@
                                       <p:cBhvr>
                                         <p:cTn id="109" dur="500"/>
                                         <p:tgtEl>
-                                          <p:spTgt spid="257"/>
+                                          <p:spTgt spid="256"/>
                                         </p:tgtEl>
                                       </p:cBhvr>
                                     </p:animEffect>
@@ -19676,7 +19676,7 @@
                                           </p:stCondLst>
                                         </p:cTn>
                                         <p:tgtEl>
-                                          <p:spTgt spid="267"/>
+                                          <p:spTgt spid="257"/>
                                         </p:tgtEl>
                                         <p:attrNameLst>
                                           <p:attrName>style.visibility</p:attrName>
@@ -19690,7 +19690,7 @@
                                       <p:cBhvr>
                                         <p:cTn id="112" dur="500"/>
                                         <p:tgtEl>
-                                          <p:spTgt spid="267"/>
+                                          <p:spTgt spid="257"/>
                                         </p:tgtEl>
                                       </p:cBhvr>
                                     </p:animEffect>
@@ -19711,6 +19711,41 @@
                                           </p:stCondLst>
                                         </p:cTn>
                                         <p:tgtEl>
+                                          <p:spTgt spid="267"/>
+                                        </p:tgtEl>
+                                        <p:attrNameLst>
+                                          <p:attrName>style.visibility</p:attrName>
+                                        </p:attrNameLst>
+                                      </p:cBhvr>
+                                      <p:to>
+                                        <p:strVal val="visible"/>
+                                      </p:to>
+                                    </p:set>
+                                    <p:animEffect transition="in" filter="fade">
+                                      <p:cBhvr>
+                                        <p:cTn id="115" dur="500"/>
+                                        <p:tgtEl>
+                                          <p:spTgt spid="267"/>
+                                        </p:tgtEl>
+                                      </p:cBhvr>
+                                    </p:animEffect>
+                                  </p:childTnLst>
+                                </p:cTn>
+                              </p:par>
+                              <p:par>
+                                <p:cTn id="116" presetID="10" presetClass="entr" presetSubtype="0" fill="hold" nodeType="withEffect">
+                                  <p:stCondLst>
+                                    <p:cond delay="0"/>
+                                  </p:stCondLst>
+                                  <p:childTnLst>
+                                    <p:set>
+                                      <p:cBhvr>
+                                        <p:cTn id="117" dur="1" fill="hold">
+                                          <p:stCondLst>
+                                            <p:cond delay="0"/>
+                                          </p:stCondLst>
+                                        </p:cTn>
+                                        <p:tgtEl>
                                           <p:spTgt spid="40"/>
                                         </p:tgtEl>
                                         <p:attrNameLst>
@@ -19723,7 +19758,7 @@
                                     </p:set>
                                     <p:animEffect transition="in" filter="fade">
                                       <p:cBhvr>
-                                        <p:cTn id="115" dur="500"/>
+                                        <p:cTn id="118" dur="500"/>
                                         <p:tgtEl>
                                           <p:spTgt spid="40"/>
                                         </p:tgtEl>
@@ -19777,6 +19812,7 @@
       <p:bldP spid="218" grpId="0"/>
       <p:bldP spid="231" grpId="0"/>
       <p:bldP spid="232" grpId="0"/>
+      <p:bldP spid="5" grpId="0"/>
     </p:bldLst>
   </p:timing>
 </p:sld>
@@ -24348,7 +24384,7 @@
                                           </p:stCondLst>
                                         </p:cTn>
                                         <p:tgtEl>
-                                          <p:spTgt spid="9"/>
+                                          <p:spTgt spid="10"/>
                                         </p:tgtEl>
                                         <p:attrNameLst>
                                           <p:attrName>style.visibility</p:attrName>
@@ -24362,7 +24398,7 @@
                                       <p:cBhvr>
                                         <p:cTn id="7" dur="500"/>
                                         <p:tgtEl>
-                                          <p:spTgt spid="9"/>
+                                          <p:spTgt spid="10"/>
                                         </p:tgtEl>
                                       </p:cBhvr>
                                     </p:animEffect>
@@ -24392,7 +24428,7 @@
                                           </p:stCondLst>
                                         </p:cTn>
                                         <p:tgtEl>
-                                          <p:spTgt spid="7"/>
+                                          <p:spTgt spid="9"/>
                                         </p:tgtEl>
                                         <p:attrNameLst>
                                           <p:attrName>style.visibility</p:attrName>
@@ -24406,7 +24442,7 @@
                                       <p:cBhvr>
                                         <p:cTn id="11" dur="500"/>
                                         <p:tgtEl>
-                                          <p:spTgt spid="7"/>
+                                          <p:spTgt spid="9"/>
                                         </p:tgtEl>
                                       </p:cBhvr>
                                     </p:animEffect>
@@ -24548,36 +24584,27 @@
                             </p:childTnLst>
                           </p:cTn>
                         </p:par>
-                      </p:childTnLst>
-                    </p:cTn>
-                  </p:par>
-                  <p:par>
-                    <p:cTn id="24" fill="hold">
-                      <p:stCondLst>
-                        <p:cond delay="indefinite"/>
-                      </p:stCondLst>
-                      <p:childTnLst>
                         <p:par>
-                          <p:cTn id="25" fill="hold">
+                          <p:cTn id="24" fill="hold">
                             <p:stCondLst>
-                              <p:cond delay="0"/>
+                              <p:cond delay="2500"/>
                             </p:stCondLst>
                             <p:childTnLst>
                               <p:par>
-                                <p:cTn id="26" presetID="10" presetClass="entr" presetSubtype="0" fill="hold" nodeType="clickEffect">
+                                <p:cTn id="25" presetID="10" presetClass="entr" presetSubtype="0" fill="hold" nodeType="afterEffect">
                                   <p:stCondLst>
                                     <p:cond delay="0"/>
                                   </p:stCondLst>
                                   <p:childTnLst>
                                     <p:set>
                                       <p:cBhvr>
-                                        <p:cTn id="27" dur="1" fill="hold">
+                                        <p:cTn id="26" dur="1" fill="hold">
                                           <p:stCondLst>
                                             <p:cond delay="0"/>
                                           </p:stCondLst>
                                         </p:cTn>
                                         <p:tgtEl>
-                                          <p:spTgt spid="10"/>
+                                          <p:spTgt spid="7"/>
                                         </p:tgtEl>
                                         <p:attrNameLst>
                                           <p:attrName>style.visibility</p:attrName>
@@ -24589,9 +24616,9 @@
                                     </p:set>
                                     <p:animEffect transition="in" filter="fade">
                                       <p:cBhvr>
-                                        <p:cTn id="28" dur="500"/>
+                                        <p:cTn id="27" dur="500"/>
                                         <p:tgtEl>
-                                          <p:spTgt spid="10"/>
+                                          <p:spTgt spid="7"/>
                                         </p:tgtEl>
                                       </p:cBhvr>
                                     </p:animEffect>
